--- a/Melnik-Pavel-11A.pptx
+++ b/Melnik-Pavel-11A.pptx
@@ -3340,7 +3340,7 @@
                 <a:ea typeface="+mn-ea"/>
                 <a:cs typeface="+mn-cs"/>
               </a:rPr>
-              <a:t>Определить цель - конечный продукт</a:t>
+              <a:t>Определить требования к продукту</a:t>
             </a:r>
             <a:endParaRPr sz="2800"/>
           </a:p>
@@ -3352,7 +3352,11 @@
             </a:pPr>
             <a:r>
               <a:rPr/>
-              <a:t>Изучить доступные средства разработки приложений для ПК</a:t>
+              <a:t>Изучить и сравнить доступные средства разработки приложений для ПК, </a:t>
+            </a:r>
+            <a:r>
+              <a:rPr/>
+              <a:t>определить инструменты для будущей разработки</a:t>
             </a:r>
             <a:endParaRPr/>
           </a:p>
@@ -3364,7 +3368,7 @@
             </a:pPr>
             <a:r>
               <a:rPr/>
-              <a:t>Определить инструменты для будущей разработки</a:t>
+              <a:t>Разработать прототип с минимальным набором функций</a:t>
             </a:r>
             <a:endParaRPr/>
           </a:p>
@@ -3376,19 +3380,7 @@
             </a:pPr>
             <a:r>
               <a:rPr/>
-              <a:t>Разработать прототип с минимальным набором функций</a:t>
-            </a:r>
-            <a:endParaRPr/>
-          </a:p>
-          <a:p>
-            <a:pPr marL="394023" indent="-394023">
-              <a:buFont typeface="Arial"/>
-              <a:buAutoNum type="arabicPeriod"/>
-              <a:defRPr/>
-            </a:pPr>
-            <a:r>
-              <a:rPr/>
-              <a:t>Дорабатывать графический интерфейс, добавлять новые функции и исправлять ошибки</a:t>
+              <a:t>Добавлять новые функции и исправлять ошибки</a:t>
             </a:r>
             <a:endParaRPr/>
           </a:p>
@@ -3462,7 +3454,7 @@
             </a:pPr>
             <a:r>
               <a:rPr/>
-              <a:t>Конечный продукт разработки – приложение «Список дел» для персональных компьюетров</a:t>
+              <a:t>Конечный продукт разработки – приложение «Список дел» для персональных компьютеров</a:t>
             </a:r>
             <a:endParaRPr/>
           </a:p>
@@ -3545,7 +3537,7 @@
             </a:pPr>
             <a:r>
               <a:rPr/>
-              <a:t>Материалы для разработки</a:t>
+              <a:t>Технологии, использованные при разработке</a:t>
             </a:r>
             <a:endParaRPr/>
           </a:p>
@@ -3571,7 +3563,7 @@
             </a:pPr>
             <a:r>
               <a:rPr/>
-              <a:t>Язык программирования C#</a:t>
+              <a:t>Язык программирования C# на платформе .NET Core 7</a:t>
             </a:r>
             <a:endParaRPr/>
           </a:p>
@@ -3591,7 +3583,37 @@
             </a:pPr>
             <a:r>
               <a:rPr/>
-              <a:t>Формат хранения данных JSON</a:t>
+              <a:t>Фреймворк для реактивного взаимодействия с потоками событий ReactiveUI</a:t>
+            </a:r>
+            <a:endParaRPr/>
+          </a:p>
+          <a:p>
+            <a:pPr>
+              <a:defRPr/>
+            </a:pPr>
+            <a:r>
+              <a:rPr/>
+              <a:t>Библиотека для реактивного взаимодействия с коллекциями объектов DynamicData</a:t>
+            </a:r>
+            <a:endParaRPr/>
+          </a:p>
+          <a:p>
+            <a:pPr>
+              <a:defRPr/>
+            </a:pPr>
+            <a:r>
+              <a:rPr/>
+              <a:t>Формат хранения данных JSON с библиотекой Newtonsoft.JSON</a:t>
+            </a:r>
+            <a:endParaRPr/>
+          </a:p>
+          <a:p>
+            <a:pPr>
+              <a:defRPr/>
+            </a:pPr>
+            <a:r>
+              <a:rPr/>
+              <a:t>Язык разметки Markdown с библиотекой Markdown.Avalonia</a:t>
             </a:r>
             <a:endParaRPr/>
           </a:p>
@@ -3675,39 +3697,38 @@
               <a:defRPr/>
             </a:pPr>
             <a:r>
-              <a:rPr lang="ru-RU" sz="2800" b="0" i="0" u="none" strike="noStrike" cap="none" spc="0">
-                <a:solidFill>
-                  <a:schemeClr val="tx1"/>
-                </a:solidFill>
-                <a:latin typeface="Arial"/>
-                <a:ea typeface="Arial"/>
-                <a:cs typeface="Arial"/>
-              </a:rPr>
-              <a:t>Платформа для разработки программного обеспечения</a:t>
-            </a:r>
-            <a:r>
               <a:rPr/>
-              <a:t> .NET Core</a:t>
-            </a:r>
-            <a:endParaRPr/>
-          </a:p>
-          <a:p>
-            <a:pPr>
-              <a:defRPr/>
-            </a:pPr>
-            <a:r>
-              <a:rPr lang="ru-RU" sz="2800" b="0" i="0" u="none" strike="noStrike" cap="none" spc="0">
-                <a:solidFill>
-                  <a:schemeClr val="tx1"/>
-                </a:solidFill>
-                <a:latin typeface="Arial"/>
-                <a:cs typeface="Arial"/>
-              </a:rPr>
-              <a:t>Редактор исходного кода</a:t>
-            </a:r>
+              <a:t>Интегрированная среда разработки Visual Studio</a:t>
+            </a:r>
+            <a:endParaRPr/>
+          </a:p>
+          <a:p>
+            <a:pPr>
+              <a:defRPr/>
+            </a:pPr>
             <a:r>
               <a:rPr/>
-              <a:t> Visual Studio Code </a:t>
+              <a:t>Компьютер на Microsoft Windows 10</a:t>
+            </a:r>
+            <a:endParaRPr/>
+          </a:p>
+          <a:p>
+            <a:pPr>
+              <a:defRPr/>
+            </a:pPr>
+            <a:r>
+              <a:rPr/>
+              <a:t>Виртуальная машина на Fedora Linux 37</a:t>
+            </a:r>
+            <a:endParaRPr/>
+          </a:p>
+          <a:p>
+            <a:pPr>
+              <a:defRPr/>
+            </a:pPr>
+            <a:r>
+              <a:rPr/>
+              <a:t>ПО для форматирования исходного кода XAMLStyler и Csharpier</a:t>
             </a:r>
             <a:endParaRPr/>
           </a:p>

--- a/Melnik-Pavel-11A.pptx
+++ b/Melnik-Pavel-11A.pptx
@@ -10,6 +10,18 @@
     <p:sldId id="258" r:id="rId5"/>
     <p:sldId id="259" r:id="rId6"/>
     <p:sldId id="260" r:id="rId7"/>
+    <p:sldId id="261" r:id="rId8"/>
+    <p:sldId id="262" r:id="rId9"/>
+    <p:sldId id="263" r:id="rId10"/>
+    <p:sldId id="264" r:id="rId11"/>
+    <p:sldId id="265" r:id="rId12"/>
+    <p:sldId id="266" r:id="rId13"/>
+    <p:sldId id="267" r:id="rId14"/>
+    <p:sldId id="268" r:id="rId15"/>
+    <p:sldId id="269" r:id="rId16"/>
+    <p:sldId id="270" r:id="rId17"/>
+    <p:sldId id="271" r:id="rId18"/>
+    <p:sldId id="272" r:id="rId19"/>
   </p:sldIdLst>
   <p:sldSz cx="12192000" cy="6858000"/>
   <p:notesSz cx="12192000" cy="6858000"/>
@@ -140,8 +152,8 @@
         </p:nvSpPr>
         <p:spPr bwMode="auto">
           <a:xfrm>
-            <a:off x="1524000" y="1122363"/>
-            <a:ext cx="9144000" cy="2387600"/>
+            <a:off x="1523999" y="1122363"/>
+            <a:ext cx="9144000" cy="2387599"/>
           </a:xfrm>
         </p:spPr>
         <p:txBody>
@@ -175,8 +187,8 @@
         </p:nvSpPr>
         <p:spPr bwMode="auto">
           <a:xfrm>
-            <a:off x="1524000" y="3602038"/>
-            <a:ext cx="9144000" cy="1655762"/>
+            <a:off x="1523999" y="3602037"/>
+            <a:ext cx="9144000" cy="1655761"/>
           </a:xfrm>
         </p:spPr>
         <p:txBody>
@@ -533,8 +545,8 @@
         </p:nvSpPr>
         <p:spPr bwMode="auto">
           <a:xfrm>
-            <a:off x="8724900" y="365125"/>
-            <a:ext cx="2628900" cy="5811838"/>
+            <a:off x="8724899" y="365124"/>
+            <a:ext cx="2628900" cy="5811837"/>
           </a:xfrm>
         </p:spPr>
         <p:txBody>
@@ -564,8 +576,8 @@
         </p:nvSpPr>
         <p:spPr bwMode="auto">
           <a:xfrm>
-            <a:off x="838200" y="365125"/>
-            <a:ext cx="7734300" cy="5811838"/>
+            <a:off x="838199" y="365124"/>
+            <a:ext cx="7734299" cy="5811837"/>
           </a:xfrm>
         </p:spPr>
         <p:txBody>
@@ -925,8 +937,8 @@
         </p:nvSpPr>
         <p:spPr bwMode="auto">
           <a:xfrm>
-            <a:off x="831850" y="1709738"/>
-            <a:ext cx="10515600" cy="2852737"/>
+            <a:off x="831849" y="1709737"/>
+            <a:ext cx="10515600" cy="2852736"/>
           </a:xfrm>
         </p:spPr>
         <p:txBody>
@@ -960,8 +972,8 @@
         </p:nvSpPr>
         <p:spPr bwMode="auto">
           <a:xfrm>
-            <a:off x="831850" y="4589463"/>
-            <a:ext cx="10515600" cy="1500187"/>
+            <a:off x="831849" y="4589462"/>
+            <a:ext cx="10515600" cy="1500186"/>
           </a:xfrm>
         </p:spPr>
         <p:txBody>
@@ -1207,8 +1219,8 @@
         </p:nvSpPr>
         <p:spPr bwMode="auto">
           <a:xfrm>
-            <a:off x="838200" y="1825625"/>
-            <a:ext cx="5181600" cy="4351338"/>
+            <a:off x="838199" y="1825624"/>
+            <a:ext cx="5181599" cy="4351338"/>
           </a:xfrm>
         </p:spPr>
         <p:txBody>
@@ -1278,8 +1290,8 @@
         </p:nvSpPr>
         <p:spPr bwMode="auto">
           <a:xfrm>
-            <a:off x="6172200" y="1825625"/>
-            <a:ext cx="5181600" cy="4351338"/>
+            <a:off x="6172200" y="1825624"/>
+            <a:ext cx="5181599" cy="4351338"/>
           </a:xfrm>
         </p:spPr>
         <p:txBody>
@@ -1448,8 +1460,8 @@
         </p:nvSpPr>
         <p:spPr bwMode="auto">
           <a:xfrm>
-            <a:off x="839788" y="365125"/>
-            <a:ext cx="10515600" cy="1325563"/>
+            <a:off x="839787" y="365124"/>
+            <a:ext cx="10515600" cy="1325562"/>
           </a:xfrm>
         </p:spPr>
         <p:txBody>
@@ -1479,8 +1491,8 @@
         </p:nvSpPr>
         <p:spPr bwMode="auto">
           <a:xfrm>
-            <a:off x="839788" y="1681163"/>
-            <a:ext cx="5157787" cy="823912"/>
+            <a:off x="839787" y="1681162"/>
+            <a:ext cx="5157786" cy="823911"/>
           </a:xfrm>
         </p:spPr>
         <p:txBody>
@@ -1547,8 +1559,8 @@
         </p:nvSpPr>
         <p:spPr bwMode="auto">
           <a:xfrm>
-            <a:off x="839788" y="2505074"/>
-            <a:ext cx="5157787" cy="3684588"/>
+            <a:off x="839787" y="2505073"/>
+            <a:ext cx="5157786" cy="3684587"/>
           </a:xfrm>
         </p:spPr>
         <p:txBody>
@@ -1618,8 +1630,8 @@
         </p:nvSpPr>
         <p:spPr bwMode="auto">
           <a:xfrm>
-            <a:off x="6172200" y="1681163"/>
-            <a:ext cx="5183188" cy="823912"/>
+            <a:off x="6172200" y="1681162"/>
+            <a:ext cx="5183187" cy="823911"/>
           </a:xfrm>
         </p:spPr>
         <p:txBody>
@@ -1686,8 +1698,8 @@
         </p:nvSpPr>
         <p:spPr bwMode="auto">
           <a:xfrm>
-            <a:off x="6172200" y="2505074"/>
-            <a:ext cx="5183188" cy="3684588"/>
+            <a:off x="6172200" y="2505073"/>
+            <a:ext cx="5183187" cy="3684587"/>
           </a:xfrm>
         </p:spPr>
         <p:txBody>
@@ -2080,8 +2092,8 @@
         </p:nvSpPr>
         <p:spPr bwMode="auto">
           <a:xfrm>
-            <a:off x="839788" y="457200"/>
-            <a:ext cx="3932237" cy="1600200"/>
+            <a:off x="839787" y="457200"/>
+            <a:ext cx="3932236" cy="1600200"/>
           </a:xfrm>
         </p:spPr>
         <p:txBody>
@@ -2115,8 +2127,8 @@
         </p:nvSpPr>
         <p:spPr bwMode="auto">
           <a:xfrm>
-            <a:off x="5183188" y="987425"/>
-            <a:ext cx="6172200" cy="4873625"/>
+            <a:off x="5183187" y="987424"/>
+            <a:ext cx="6172200" cy="4873624"/>
           </a:xfrm>
         </p:spPr>
         <p:txBody>
@@ -2214,8 +2226,8 @@
         </p:nvSpPr>
         <p:spPr bwMode="auto">
           <a:xfrm>
-            <a:off x="839788" y="2057400"/>
-            <a:ext cx="3932237" cy="3811588"/>
+            <a:off x="839787" y="2057400"/>
+            <a:ext cx="3932236" cy="3811587"/>
           </a:xfrm>
         </p:spPr>
         <p:txBody>
@@ -2381,8 +2393,8 @@
         </p:nvSpPr>
         <p:spPr bwMode="auto">
           <a:xfrm>
-            <a:off x="839788" y="457200"/>
-            <a:ext cx="3932237" cy="1600200"/>
+            <a:off x="839787" y="457200"/>
+            <a:ext cx="3932236" cy="1600200"/>
           </a:xfrm>
         </p:spPr>
         <p:txBody>
@@ -2416,8 +2428,8 @@
         </p:nvSpPr>
         <p:spPr bwMode="auto">
           <a:xfrm>
-            <a:off x="5183188" y="987425"/>
-            <a:ext cx="6172200" cy="4873625"/>
+            <a:off x="5183187" y="987424"/>
+            <a:ext cx="6172200" cy="4873624"/>
           </a:xfrm>
         </p:spPr>
         <p:txBody>
@@ -2484,8 +2496,8 @@
         </p:nvSpPr>
         <p:spPr bwMode="auto">
           <a:xfrm>
-            <a:off x="839788" y="2057400"/>
-            <a:ext cx="3932237" cy="3811588"/>
+            <a:off x="839787" y="2057400"/>
+            <a:ext cx="3932236" cy="3811587"/>
           </a:xfrm>
         </p:spPr>
         <p:txBody>
@@ -2656,8 +2668,8 @@
         </p:nvSpPr>
         <p:spPr bwMode="auto">
           <a:xfrm>
-            <a:off x="838200" y="365125"/>
-            <a:ext cx="10515600" cy="1325563"/>
+            <a:off x="838199" y="365124"/>
+            <a:ext cx="10515600" cy="1325562"/>
           </a:xfrm>
           <a:prstGeom prst="rect">
             <a:avLst/>
@@ -2692,7 +2704,7 @@
         </p:nvSpPr>
         <p:spPr bwMode="auto">
           <a:xfrm>
-            <a:off x="838200" y="1825625"/>
+            <a:off x="838199" y="1825624"/>
             <a:ext cx="10515600" cy="4351338"/>
           </a:xfrm>
           <a:prstGeom prst="rect">
@@ -2768,8 +2780,8 @@
         </p:nvSpPr>
         <p:spPr bwMode="auto">
           <a:xfrm>
-            <a:off x="838200" y="6356350"/>
-            <a:ext cx="2743200" cy="365125"/>
+            <a:off x="838199" y="6356349"/>
+            <a:ext cx="2743200" cy="365124"/>
           </a:xfrm>
           <a:prstGeom prst="rect">
             <a:avLst/>
@@ -2812,8 +2824,8 @@
         </p:nvSpPr>
         <p:spPr bwMode="auto">
           <a:xfrm>
-            <a:off x="4038600" y="6356350"/>
-            <a:ext cx="4114800" cy="365125"/>
+            <a:off x="4038599" y="6356349"/>
+            <a:ext cx="4114800" cy="365124"/>
           </a:xfrm>
           <a:prstGeom prst="rect">
             <a:avLst/>
@@ -2852,8 +2864,8 @@
         </p:nvSpPr>
         <p:spPr bwMode="auto">
           <a:xfrm>
-            <a:off x="8610600" y="6356350"/>
-            <a:ext cx="2743200" cy="365125"/>
+            <a:off x="8610599" y="6356349"/>
+            <a:ext cx="2743200" cy="365124"/>
           </a:xfrm>
           <a:prstGeom prst="rect">
             <a:avLst/>
@@ -3210,30 +3222,127 @@
             <p:ph type="ctrTitle"/>
           </p:nvPr>
         </p:nvSpPr>
+        <p:spPr bwMode="auto">
+          <a:xfrm flipH="0" flipV="0">
+            <a:off x="763299" y="1054099"/>
+            <a:ext cx="10655299" cy="2925762"/>
+          </a:xfrm>
+        </p:spPr>
+        <p:txBody>
+          <a:bodyPr vertOverflow="overflow" horzOverflow="overflow" vert="horz" wrap="square" lIns="91440" tIns="45720" rIns="91440" bIns="45720" numCol="1" spcCol="0" rtlCol="0" fromWordArt="0" anchor="b" anchorCtr="0" forceAA="0" upright="0" compatLnSpc="0">
+            <a:normAutofit fontScale="90000" lnSpcReduction="2000"/>
+          </a:bodyPr>
+          <a:lstStyle/>
+          <a:p>
+            <a:pPr>
+              <a:defRPr/>
+            </a:pPr>
+            <a:r>
+              <a:rPr lang="ru-RU"/>
+              <a:t>Разработка кроссплатформенного приложения с графическим интерфейсом для ПК</a:t>
+            </a:r>
+            <a:endParaRPr lang="ru-RU"/>
+          </a:p>
+        </p:txBody>
+      </p:sp>
+      <p:sp>
+        <p:nvSpPr>
+          <p:cNvPr id="3" name="Subtitle 2"/>
+          <p:cNvSpPr>
+            <a:spLocks noGrp="1"/>
+          </p:cNvSpPr>
+          <p:nvPr>
+            <p:ph type="subTitle" idx="1"/>
+          </p:nvPr>
+        </p:nvSpPr>
+        <p:spPr bwMode="auto">
+          <a:xfrm>
+            <a:off x="1518949" y="4429918"/>
+            <a:ext cx="9144000" cy="1655761"/>
+          </a:xfrm>
+        </p:spPr>
+        <p:txBody>
+          <a:bodyPr/>
+          <a:lstStyle/>
+          <a:p>
+            <a:pPr>
+              <a:defRPr/>
+            </a:pPr>
+            <a:r>
+              <a:rPr lang="ru-RU"/>
+              <a:t>Подготовил Мельник Павел из 11-А класса МБОУ «ЧСШ №1 им. Н.Кудри» </a:t>
+            </a:r>
+            <a:endParaRPr lang="ru-RU"/>
+          </a:p>
+        </p:txBody>
+      </p:sp>
+    </p:spTree>
+  </p:cSld>
+  <p:clrMapOvr>
+    <a:masterClrMapping/>
+  </p:clrMapOvr>
+  <mc:AlternateContent xmlns:mc="http://schemas.openxmlformats.org/markup-compatibility/2006">
+    <mc:Choice xmlns:p14="http://schemas.microsoft.com/office/powerpoint/2010/main" Requires="p14">
+      <p:transition p14:dur="2000" advClick="1"/>
+    </mc:Choice>
+    <mc:Fallback>
+      <p:transition advClick="1"/>
+    </mc:Fallback>
+  </mc:AlternateContent>
+</p:sld>
+</file>
+
+<file path=ppt/slides/slide10.xml><?xml version="1.0" encoding="utf-8"?>
+<p:sld xmlns:a="http://schemas.openxmlformats.org/drawingml/2006/main" xmlns:r="http://schemas.openxmlformats.org/officeDocument/2006/relationships" xmlns:p="http://schemas.openxmlformats.org/presentationml/2006/main" xmlns:m="http://schemas.openxmlformats.org/officeDocument/2006/math" xmlns:w="http://schemas.openxmlformats.org/wordprocessingml/2006/main" showMasterPhAnim="0" show="1">
+  <p:cSld name="">
+    <p:spTree>
+      <p:nvGrpSpPr>
+        <p:cNvPr id="1" name=""/>
+        <p:cNvGrpSpPr/>
+        <p:nvPr/>
+      </p:nvGrpSpPr>
+      <p:grpSpPr bwMode="auto">
+        <a:xfrm>
+          <a:off x="0" y="0"/>
+          <a:ext cx="0" cy="0"/>
+          <a:chOff x="0" y="0"/>
+          <a:chExt cx="0" cy="0"/>
+        </a:xfrm>
+      </p:grpSpPr>
+      <p:sp>
+        <p:nvSpPr>
+          <p:cNvPr id="589506203" name="Заголовок 1"/>
+          <p:cNvSpPr>
+            <a:spLocks noGrp="1"/>
+          </p:cNvSpPr>
+          <p:nvPr>
+            <p:ph type="title"/>
+          </p:nvPr>
+        </p:nvSpPr>
         <p:spPr bwMode="auto"/>
         <p:txBody>
           <a:bodyPr/>
           <a:lstStyle/>
           <a:p>
-            <a:pPr>
-              <a:defRPr/>
-            </a:pPr>
-            <a:r>
-              <a:rPr lang="ru-RU"/>
-              <a:t>Разработка приложения для ПК</a:t>
-            </a:r>
-            <a:endParaRPr lang="ru-RU"/>
-          </a:p>
-        </p:txBody>
-      </p:sp>
-      <p:sp>
-        <p:nvSpPr>
-          <p:cNvPr id="3" name="Subtitle 2"/>
-          <p:cNvSpPr>
-            <a:spLocks noGrp="1"/>
-          </p:cNvSpPr>
-          <p:nvPr>
-            <p:ph type="subTitle" idx="1"/>
+            <a:pPr algn="ctr">
+              <a:defRPr/>
+            </a:pPr>
+            <a:r>
+              <a:rPr/>
+              <a:t>Инструментарий </a:t>
+            </a:r>
+            <a:endParaRPr/>
+          </a:p>
+        </p:txBody>
+      </p:sp>
+      <p:sp>
+        <p:nvSpPr>
+          <p:cNvPr id="1045067254" name="Объект 2"/>
+          <p:cNvSpPr>
+            <a:spLocks noGrp="1"/>
+          </p:cNvSpPr>
+          <p:nvPr>
+            <p:ph idx="1"/>
           </p:nvPr>
         </p:nvSpPr>
         <p:spPr bwMode="auto"/>
@@ -3245,10 +3354,697 @@
               <a:defRPr/>
             </a:pPr>
             <a:r>
-              <a:rPr lang="ru-RU"/>
-              <a:t>Подготовил Мельник Павел из 11-А класса МБОУ «ЧСШ №1 им. Н.Кудри» </a:t>
-            </a:r>
-            <a:endParaRPr lang="ru-RU"/>
+              <a:rPr lang="ru-RU" sz="2800" b="0" i="0" u="none" strike="noStrike" cap="none" spc="0">
+                <a:solidFill>
+                  <a:schemeClr val="tx1"/>
+                </a:solidFill>
+                <a:latin typeface="+mn-lt"/>
+                <a:ea typeface="+mn-ea"/>
+                <a:cs typeface="+mn-cs"/>
+              </a:rPr>
+              <a:t>Компьютер на Microsoft Windows 10</a:t>
+            </a:r>
+            <a:endParaRPr sz="2800"/>
+          </a:p>
+          <a:p>
+            <a:pPr>
+              <a:defRPr/>
+            </a:pPr>
+            <a:r>
+              <a:rPr/>
+              <a:t>Интегрированная среда разработки Visual Studio</a:t>
+            </a:r>
+            <a:endParaRPr/>
+          </a:p>
+          <a:p>
+            <a:pPr>
+              <a:defRPr/>
+            </a:pPr>
+            <a:r>
+              <a:rPr/>
+              <a:t>Виртуальная машина на Fedora Linux 37</a:t>
+            </a:r>
+            <a:endParaRPr/>
+          </a:p>
+          <a:p>
+            <a:pPr>
+              <a:defRPr/>
+            </a:pPr>
+            <a:r>
+              <a:rPr/>
+              <a:t>ПО для форматирования исходного кода XAMLStyler и Csharpier</a:t>
+            </a:r>
+            <a:endParaRPr/>
+          </a:p>
+          <a:p>
+            <a:pPr>
+              <a:defRPr/>
+            </a:pPr>
+            <a:endParaRPr/>
+          </a:p>
+        </p:txBody>
+      </p:sp>
+    </p:spTree>
+  </p:cSld>
+  <p:clrMapOvr>
+    <a:masterClrMapping/>
+  </p:clrMapOvr>
+  <mc:AlternateContent xmlns:mc="http://schemas.openxmlformats.org/markup-compatibility/2006">
+    <mc:Choice xmlns:p14="http://schemas.microsoft.com/office/powerpoint/2010/main" Requires="p14">
+      <p:transition p14:dur="2000" advClick="1"/>
+    </mc:Choice>
+    <mc:Fallback>
+      <p:transition advClick="1"/>
+    </mc:Fallback>
+  </mc:AlternateContent>
+</p:sld>
+</file>
+
+<file path=ppt/slides/slide11.xml><?xml version="1.0" encoding="utf-8"?>
+<p:sld xmlns:a="http://schemas.openxmlformats.org/drawingml/2006/main" xmlns:r="http://schemas.openxmlformats.org/officeDocument/2006/relationships" xmlns:p="http://schemas.openxmlformats.org/presentationml/2006/main" xmlns:m="http://schemas.openxmlformats.org/officeDocument/2006/math" xmlns:w="http://schemas.openxmlformats.org/wordprocessingml/2006/main" showMasterPhAnim="0" show="1">
+  <p:cSld name="">
+    <p:spTree>
+      <p:nvGrpSpPr>
+        <p:cNvPr id="1" name=""/>
+        <p:cNvGrpSpPr/>
+        <p:nvPr/>
+      </p:nvGrpSpPr>
+      <p:grpSpPr bwMode="auto">
+        <a:xfrm>
+          <a:off x="0" y="0"/>
+          <a:ext cx="0" cy="0"/>
+          <a:chOff x="0" y="0"/>
+          <a:chExt cx="0" cy="0"/>
+        </a:xfrm>
+      </p:grpSpPr>
+      <p:sp>
+        <p:nvSpPr>
+          <p:cNvPr id="2135751900" name="Заголовок 1"/>
+          <p:cNvSpPr>
+            <a:spLocks noGrp="1"/>
+          </p:cNvSpPr>
+          <p:nvPr>
+            <p:ph type="title"/>
+          </p:nvPr>
+        </p:nvSpPr>
+        <p:spPr bwMode="auto">
+          <a:xfrm flipH="0" flipV="0">
+            <a:off x="838198" y="250824"/>
+            <a:ext cx="10515600" cy="841374"/>
+          </a:xfrm>
+        </p:spPr>
+        <p:txBody>
+          <a:bodyPr/>
+          <a:lstStyle/>
+          <a:p>
+            <a:pPr algn="ctr">
+              <a:defRPr/>
+            </a:pPr>
+            <a:r>
+              <a:rPr/>
+              <a:t>Разметка Markdown</a:t>
+            </a:r>
+            <a:endParaRPr/>
+          </a:p>
+        </p:txBody>
+      </p:sp>
+      <p:sp>
+        <p:nvSpPr>
+          <p:cNvPr id="1022533629" name="Объект 2"/>
+          <p:cNvSpPr>
+            <a:spLocks noGrp="1"/>
+          </p:cNvSpPr>
+          <p:nvPr>
+            <p:ph idx="1"/>
+          </p:nvPr>
+        </p:nvSpPr>
+        <p:spPr bwMode="auto">
+          <a:xfrm flipH="0" flipV="0">
+            <a:off x="838198" y="1012824"/>
+            <a:ext cx="10515600" cy="993774"/>
+          </a:xfrm>
+        </p:spPr>
+        <p:txBody>
+          <a:bodyPr/>
+          <a:lstStyle/>
+          <a:p>
+            <a:pPr marL="0" indent="0">
+              <a:buFont typeface="Arial"/>
+              <a:buNone/>
+              <a:defRPr/>
+            </a:pPr>
+            <a:r>
+              <a:rPr/>
+              <a:t>Markdown – легкий язык разметки для базового форматирования текста с простым и читаемым синтаксисом</a:t>
+            </a:r>
+            <a:endParaRPr/>
+          </a:p>
+        </p:txBody>
+      </p:sp>
+      <p:pic>
+        <p:nvPicPr>
+          <p:cNvPr id="611389720" name=""/>
+          <p:cNvPicPr>
+            <a:picLocks noChangeAspect="1"/>
+          </p:cNvPicPr>
+          <p:nvPr/>
+        </p:nvPicPr>
+        <p:blipFill>
+          <a:blip r:embed="rId2"/>
+          <a:stretch/>
+        </p:blipFill>
+        <p:spPr bwMode="auto">
+          <a:xfrm flipH="0" flipV="0">
+            <a:off x="314731" y="2158999"/>
+            <a:ext cx="11562537" cy="3848099"/>
+          </a:xfrm>
+          <a:prstGeom prst="rect">
+            <a:avLst/>
+          </a:prstGeom>
+        </p:spPr>
+      </p:pic>
+    </p:spTree>
+  </p:cSld>
+  <p:clrMapOvr>
+    <a:masterClrMapping/>
+  </p:clrMapOvr>
+  <mc:AlternateContent xmlns:mc="http://schemas.openxmlformats.org/markup-compatibility/2006">
+    <mc:Choice xmlns:p14="http://schemas.microsoft.com/office/powerpoint/2010/main" Requires="p14">
+      <p:transition p14:dur="2000" advClick="1"/>
+    </mc:Choice>
+    <mc:Fallback>
+      <p:transition advClick="1"/>
+    </mc:Fallback>
+  </mc:AlternateContent>
+</p:sld>
+</file>
+
+<file path=ppt/slides/slide12.xml><?xml version="1.0" encoding="utf-8"?>
+<p:sld xmlns:a="http://schemas.openxmlformats.org/drawingml/2006/main" xmlns:r="http://schemas.openxmlformats.org/officeDocument/2006/relationships" xmlns:p="http://schemas.openxmlformats.org/presentationml/2006/main" xmlns:m="http://schemas.openxmlformats.org/officeDocument/2006/math" xmlns:w="http://schemas.openxmlformats.org/wordprocessingml/2006/main" showMasterPhAnim="0" show="1">
+  <p:cSld name="">
+    <p:spTree>
+      <p:nvGrpSpPr>
+        <p:cNvPr id="1" name=""/>
+        <p:cNvGrpSpPr/>
+        <p:nvPr/>
+      </p:nvGrpSpPr>
+      <p:grpSpPr bwMode="auto">
+        <a:xfrm>
+          <a:off x="0" y="0"/>
+          <a:ext cx="0" cy="0"/>
+          <a:chOff x="0" y="0"/>
+          <a:chExt cx="0" cy="0"/>
+        </a:xfrm>
+      </p:grpSpPr>
+      <p:sp>
+        <p:nvSpPr>
+          <p:cNvPr id="950997357" name="Заголовок 1"/>
+          <p:cNvSpPr>
+            <a:spLocks noGrp="1"/>
+          </p:cNvSpPr>
+          <p:nvPr>
+            <p:ph type="title"/>
+          </p:nvPr>
+        </p:nvSpPr>
+        <p:spPr bwMode="auto">
+          <a:xfrm>
+            <a:off x="838198" y="2536824"/>
+            <a:ext cx="10515600" cy="1325562"/>
+          </a:xfrm>
+        </p:spPr>
+        <p:txBody>
+          <a:bodyPr/>
+          <a:lstStyle/>
+          <a:p>
+            <a:pPr algn="ctr">
+              <a:defRPr/>
+            </a:pPr>
+            <a:r>
+              <a:rPr/>
+              <a:t>Практическая часть</a:t>
+            </a:r>
+            <a:endParaRPr/>
+          </a:p>
+        </p:txBody>
+      </p:sp>
+    </p:spTree>
+  </p:cSld>
+  <p:clrMapOvr>
+    <a:masterClrMapping/>
+  </p:clrMapOvr>
+  <mc:AlternateContent xmlns:mc="http://schemas.openxmlformats.org/markup-compatibility/2006">
+    <mc:Choice xmlns:p14="http://schemas.microsoft.com/office/powerpoint/2010/main" Requires="p14">
+      <p:transition p14:dur="2000" advClick="1"/>
+    </mc:Choice>
+    <mc:Fallback>
+      <p:transition advClick="1"/>
+    </mc:Fallback>
+  </mc:AlternateContent>
+</p:sld>
+</file>
+
+<file path=ppt/slides/slide13.xml><?xml version="1.0" encoding="utf-8"?>
+<p:sld xmlns:a="http://schemas.openxmlformats.org/drawingml/2006/main" xmlns:r="http://schemas.openxmlformats.org/officeDocument/2006/relationships" xmlns:p="http://schemas.openxmlformats.org/presentationml/2006/main" xmlns:m="http://schemas.openxmlformats.org/officeDocument/2006/math" xmlns:w="http://schemas.openxmlformats.org/wordprocessingml/2006/main" showMasterPhAnim="0" show="1">
+  <p:cSld name="">
+    <p:spTree>
+      <p:nvGrpSpPr>
+        <p:cNvPr id="1" name=""/>
+        <p:cNvGrpSpPr/>
+        <p:nvPr/>
+      </p:nvGrpSpPr>
+      <p:grpSpPr bwMode="auto">
+        <a:xfrm>
+          <a:off x="0" y="0"/>
+          <a:ext cx="0" cy="0"/>
+          <a:chOff x="0" y="0"/>
+          <a:chExt cx="0" cy="0"/>
+        </a:xfrm>
+      </p:grpSpPr>
+      <p:sp>
+        <p:nvSpPr>
+          <p:cNvPr id="977876263" name="Заголовок 1"/>
+          <p:cNvSpPr>
+            <a:spLocks noGrp="1"/>
+          </p:cNvSpPr>
+          <p:nvPr>
+            <p:ph type="title"/>
+          </p:nvPr>
+        </p:nvSpPr>
+        <p:spPr bwMode="auto">
+          <a:xfrm flipH="0" flipV="0">
+            <a:off x="838199" y="152399"/>
+            <a:ext cx="10515600" cy="1015348"/>
+          </a:xfrm>
+        </p:spPr>
+        <p:txBody>
+          <a:bodyPr/>
+          <a:lstStyle/>
+          <a:p>
+            <a:pPr algn="ctr">
+              <a:defRPr/>
+            </a:pPr>
+            <a:r>
+              <a:rPr/>
+              <a:t>Установка среды разработки</a:t>
+            </a:r>
+            <a:endParaRPr/>
+          </a:p>
+        </p:txBody>
+      </p:sp>
+      <p:pic>
+        <p:nvPicPr>
+          <p:cNvPr id="1243562643" name=""/>
+          <p:cNvPicPr>
+            <a:picLocks noChangeAspect="1"/>
+          </p:cNvPicPr>
+          <p:nvPr/>
+        </p:nvPicPr>
+        <p:blipFill>
+          <a:blip r:embed="rId2"/>
+          <a:stretch/>
+        </p:blipFill>
+        <p:spPr bwMode="auto">
+          <a:xfrm flipH="0" flipV="0">
+            <a:off x="634998" y="1167748"/>
+            <a:ext cx="10529599" cy="5264799"/>
+          </a:xfrm>
+          <a:prstGeom prst="rect">
+            <a:avLst/>
+          </a:prstGeom>
+        </p:spPr>
+      </p:pic>
+    </p:spTree>
+  </p:cSld>
+  <p:clrMapOvr>
+    <a:masterClrMapping/>
+  </p:clrMapOvr>
+  <mc:AlternateContent xmlns:mc="http://schemas.openxmlformats.org/markup-compatibility/2006">
+    <mc:Choice xmlns:p14="http://schemas.microsoft.com/office/powerpoint/2010/main" Requires="p14">
+      <p:transition p14:dur="2000" advClick="1"/>
+    </mc:Choice>
+    <mc:Fallback>
+      <p:transition advClick="1"/>
+    </mc:Fallback>
+  </mc:AlternateContent>
+</p:sld>
+</file>
+
+<file path=ppt/slides/slide14.xml><?xml version="1.0" encoding="utf-8"?>
+<p:sld xmlns:a="http://schemas.openxmlformats.org/drawingml/2006/main" xmlns:r="http://schemas.openxmlformats.org/officeDocument/2006/relationships" xmlns:p="http://schemas.openxmlformats.org/presentationml/2006/main" xmlns:m="http://schemas.openxmlformats.org/officeDocument/2006/math" xmlns:w="http://schemas.openxmlformats.org/wordprocessingml/2006/main" showMasterPhAnim="0" show="1">
+  <p:cSld name="">
+    <p:spTree>
+      <p:nvGrpSpPr>
+        <p:cNvPr id="1" name=""/>
+        <p:cNvGrpSpPr/>
+        <p:nvPr/>
+      </p:nvGrpSpPr>
+      <p:grpSpPr bwMode="auto">
+        <a:xfrm>
+          <a:off x="0" y="0"/>
+          <a:ext cx="0" cy="0"/>
+          <a:chOff x="0" y="0"/>
+          <a:chExt cx="0" cy="0"/>
+        </a:xfrm>
+      </p:grpSpPr>
+      <p:sp>
+        <p:nvSpPr>
+          <p:cNvPr id="1166857159" name="Заголовок 1"/>
+          <p:cNvSpPr>
+            <a:spLocks noGrp="1"/>
+          </p:cNvSpPr>
+          <p:nvPr>
+            <p:ph type="title"/>
+          </p:nvPr>
+        </p:nvSpPr>
+        <p:spPr bwMode="auto">
+          <a:xfrm>
+            <a:off x="838198" y="187324"/>
+            <a:ext cx="10515600" cy="1325562"/>
+          </a:xfrm>
+        </p:spPr>
+        <p:txBody>
+          <a:bodyPr/>
+          <a:lstStyle/>
+          <a:p>
+            <a:pPr algn="ctr">
+              <a:defRPr/>
+            </a:pPr>
+            <a:r>
+              <a:rPr/>
+              <a:t>Создание проекта</a:t>
+            </a:r>
+            <a:endParaRPr/>
+          </a:p>
+        </p:txBody>
+      </p:sp>
+      <p:pic>
+        <p:nvPicPr>
+          <p:cNvPr id="212302016" name=""/>
+          <p:cNvPicPr>
+            <a:picLocks noChangeAspect="1"/>
+          </p:cNvPicPr>
+          <p:nvPr/>
+        </p:nvPicPr>
+        <p:blipFill>
+          <a:blip r:embed="rId2"/>
+          <a:stretch/>
+        </p:blipFill>
+        <p:spPr bwMode="auto">
+          <a:xfrm rot="0" flipH="0" flipV="0">
+            <a:off x="2595206" y="1512887"/>
+            <a:ext cx="7001587" cy="4854616"/>
+          </a:xfrm>
+          <a:prstGeom prst="rect">
+            <a:avLst/>
+          </a:prstGeom>
+        </p:spPr>
+      </p:pic>
+    </p:spTree>
+  </p:cSld>
+  <p:clrMapOvr>
+    <a:masterClrMapping/>
+  </p:clrMapOvr>
+  <mc:AlternateContent xmlns:mc="http://schemas.openxmlformats.org/markup-compatibility/2006">
+    <mc:Choice xmlns:p14="http://schemas.microsoft.com/office/powerpoint/2010/main" Requires="p14">
+      <p:transition p14:dur="2000" advClick="1"/>
+    </mc:Choice>
+    <mc:Fallback>
+      <p:transition advClick="1"/>
+    </mc:Fallback>
+  </mc:AlternateContent>
+</p:sld>
+</file>
+
+<file path=ppt/slides/slide15.xml><?xml version="1.0" encoding="utf-8"?>
+<p:sld xmlns:a="http://schemas.openxmlformats.org/drawingml/2006/main" xmlns:r="http://schemas.openxmlformats.org/officeDocument/2006/relationships" xmlns:p="http://schemas.openxmlformats.org/presentationml/2006/main" xmlns:m="http://schemas.openxmlformats.org/officeDocument/2006/math" xmlns:w="http://schemas.openxmlformats.org/wordprocessingml/2006/main" showMasterPhAnim="0" show="1">
+  <p:cSld name="">
+    <p:spTree>
+      <p:nvGrpSpPr>
+        <p:cNvPr id="1" name=""/>
+        <p:cNvGrpSpPr/>
+        <p:nvPr/>
+      </p:nvGrpSpPr>
+      <p:grpSpPr bwMode="auto">
+        <a:xfrm>
+          <a:off x="0" y="0"/>
+          <a:ext cx="0" cy="0"/>
+          <a:chOff x="0" y="0"/>
+          <a:chExt cx="0" cy="0"/>
+        </a:xfrm>
+      </p:grpSpPr>
+      <p:sp>
+        <p:nvSpPr>
+          <p:cNvPr id="161837634" name="Заголовок 1"/>
+          <p:cNvSpPr>
+            <a:spLocks noGrp="1"/>
+          </p:cNvSpPr>
+          <p:nvPr>
+            <p:ph type="title"/>
+          </p:nvPr>
+        </p:nvSpPr>
+        <p:spPr bwMode="auto"/>
+        <p:txBody>
+          <a:bodyPr/>
+          <a:lstStyle/>
+          <a:p>
+            <a:pPr algn="ctr">
+              <a:defRPr/>
+            </a:pPr>
+            <a:r>
+              <a:rPr/>
+              <a:t>Разработка визуальной составляющей</a:t>
+            </a:r>
+            <a:endParaRPr/>
+          </a:p>
+        </p:txBody>
+      </p:sp>
+      <p:pic>
+        <p:nvPicPr>
+          <p:cNvPr id="730424733" name=""/>
+          <p:cNvPicPr>
+            <a:picLocks noChangeAspect="1"/>
+          </p:cNvPicPr>
+          <p:nvPr/>
+        </p:nvPicPr>
+        <p:blipFill>
+          <a:blip r:embed="rId2"/>
+          <a:stretch/>
+        </p:blipFill>
+        <p:spPr bwMode="auto">
+          <a:xfrm flipH="0" flipV="0">
+            <a:off x="1511299" y="1512887"/>
+            <a:ext cx="9526299" cy="4587575"/>
+          </a:xfrm>
+          <a:prstGeom prst="rect">
+            <a:avLst/>
+          </a:prstGeom>
+        </p:spPr>
+      </p:pic>
+    </p:spTree>
+  </p:cSld>
+  <p:clrMapOvr>
+    <a:masterClrMapping/>
+  </p:clrMapOvr>
+  <mc:AlternateContent xmlns:mc="http://schemas.openxmlformats.org/markup-compatibility/2006">
+    <mc:Choice xmlns:p14="http://schemas.microsoft.com/office/powerpoint/2010/main" Requires="p14">
+      <p:transition p14:dur="2000" advClick="1"/>
+    </mc:Choice>
+    <mc:Fallback>
+      <p:transition advClick="1"/>
+    </mc:Fallback>
+  </mc:AlternateContent>
+</p:sld>
+</file>
+
+<file path=ppt/slides/slide16.xml><?xml version="1.0" encoding="utf-8"?>
+<p:sld xmlns:a="http://schemas.openxmlformats.org/drawingml/2006/main" xmlns:r="http://schemas.openxmlformats.org/officeDocument/2006/relationships" xmlns:p="http://schemas.openxmlformats.org/presentationml/2006/main" xmlns:m="http://schemas.openxmlformats.org/officeDocument/2006/math" xmlns:w="http://schemas.openxmlformats.org/wordprocessingml/2006/main" showMasterPhAnim="0" show="1">
+  <p:cSld name="">
+    <p:spTree>
+      <p:nvGrpSpPr>
+        <p:cNvPr id="1" name=""/>
+        <p:cNvGrpSpPr/>
+        <p:nvPr/>
+      </p:nvGrpSpPr>
+      <p:grpSpPr bwMode="auto">
+        <a:xfrm>
+          <a:off x="0" y="0"/>
+          <a:ext cx="0" cy="0"/>
+          <a:chOff x="0" y="0"/>
+          <a:chExt cx="0" cy="0"/>
+        </a:xfrm>
+      </p:grpSpPr>
+      <p:sp>
+        <p:nvSpPr>
+          <p:cNvPr id="702857751" name="Заголовок 1"/>
+          <p:cNvSpPr>
+            <a:spLocks noGrp="1"/>
+          </p:cNvSpPr>
+          <p:nvPr>
+            <p:ph type="title"/>
+          </p:nvPr>
+        </p:nvSpPr>
+        <p:spPr bwMode="auto">
+          <a:xfrm>
+            <a:off x="838198" y="47623"/>
+            <a:ext cx="10515600" cy="1325562"/>
+          </a:xfrm>
+        </p:spPr>
+        <p:txBody>
+          <a:bodyPr/>
+          <a:lstStyle/>
+          <a:p>
+            <a:pPr algn="ctr">
+              <a:defRPr/>
+            </a:pPr>
+            <a:r>
+              <a:rPr/>
+              <a:t>Разработка логики приложения на C#</a:t>
+            </a:r>
+            <a:endParaRPr/>
+          </a:p>
+        </p:txBody>
+      </p:sp>
+      <p:pic>
+        <p:nvPicPr>
+          <p:cNvPr id="613078132" name=""/>
+          <p:cNvPicPr>
+            <a:picLocks noChangeAspect="1"/>
+          </p:cNvPicPr>
+          <p:nvPr/>
+        </p:nvPicPr>
+        <p:blipFill>
+          <a:blip r:embed="rId2"/>
+          <a:stretch/>
+        </p:blipFill>
+        <p:spPr bwMode="auto">
+          <a:xfrm flipH="0" flipV="0">
+            <a:off x="1968499" y="1181099"/>
+            <a:ext cx="7553451" cy="5155406"/>
+          </a:xfrm>
+          <a:prstGeom prst="rect">
+            <a:avLst/>
+          </a:prstGeom>
+        </p:spPr>
+      </p:pic>
+    </p:spTree>
+  </p:cSld>
+  <p:clrMapOvr>
+    <a:masterClrMapping/>
+  </p:clrMapOvr>
+  <mc:AlternateContent xmlns:mc="http://schemas.openxmlformats.org/markup-compatibility/2006">
+    <mc:Choice xmlns:p14="http://schemas.microsoft.com/office/powerpoint/2010/main" Requires="p14">
+      <p:transition p14:dur="2000" advClick="1"/>
+    </mc:Choice>
+    <mc:Fallback>
+      <p:transition advClick="1"/>
+    </mc:Fallback>
+  </mc:AlternateContent>
+</p:sld>
+</file>
+
+<file path=ppt/slides/slide17.xml><?xml version="1.0" encoding="utf-8"?>
+<p:sld xmlns:a="http://schemas.openxmlformats.org/drawingml/2006/main" xmlns:r="http://schemas.openxmlformats.org/officeDocument/2006/relationships" xmlns:p="http://schemas.openxmlformats.org/presentationml/2006/main" xmlns:m="http://schemas.openxmlformats.org/officeDocument/2006/math" xmlns:w="http://schemas.openxmlformats.org/wordprocessingml/2006/main" showMasterPhAnim="0" show="1">
+  <p:cSld name="">
+    <p:spTree>
+      <p:nvGrpSpPr>
+        <p:cNvPr id="1" name=""/>
+        <p:cNvGrpSpPr/>
+        <p:nvPr/>
+      </p:nvGrpSpPr>
+      <p:grpSpPr bwMode="auto">
+        <a:xfrm>
+          <a:off x="0" y="0"/>
+          <a:ext cx="0" cy="0"/>
+          <a:chOff x="0" y="0"/>
+          <a:chExt cx="0" cy="0"/>
+        </a:xfrm>
+      </p:grpSpPr>
+      <p:sp>
+        <p:nvSpPr>
+          <p:cNvPr id="1386245950" name="Заголовок 1"/>
+          <p:cNvSpPr>
+            <a:spLocks noGrp="1"/>
+          </p:cNvSpPr>
+          <p:nvPr>
+            <p:ph type="title"/>
+          </p:nvPr>
+        </p:nvSpPr>
+        <p:spPr bwMode="auto"/>
+        <p:txBody>
+          <a:bodyPr/>
+          <a:lstStyle/>
+          <a:p>
+            <a:pPr>
+              <a:defRPr/>
+            </a:pPr>
+            <a:r>
+              <a:rPr/>
+              <a:t>Итоги</a:t>
+            </a:r>
+            <a:endParaRPr/>
+          </a:p>
+        </p:txBody>
+      </p:sp>
+      <p:sp>
+        <p:nvSpPr>
+          <p:cNvPr id="763866376" name="Объект 2"/>
+          <p:cNvSpPr>
+            <a:spLocks noGrp="1"/>
+          </p:cNvSpPr>
+          <p:nvPr>
+            <p:ph idx="1"/>
+          </p:nvPr>
+        </p:nvSpPr>
+        <p:spPr bwMode="auto"/>
+        <p:txBody>
+          <a:bodyPr/>
+          <a:lstStyle/>
+          <a:p>
+            <a:pPr>
+              <a:defRPr/>
+            </a:pPr>
+            <a:r>
+              <a:rPr lang="ru-RU" sz="2800" b="0" i="0" u="none" strike="noStrike" cap="none" spc="0">
+                <a:solidFill>
+                  <a:schemeClr val="tx1"/>
+                </a:solidFill>
+                <a:latin typeface="+mn-lt"/>
+                <a:ea typeface="+mn-ea"/>
+                <a:cs typeface="+mn-cs"/>
+              </a:rPr>
+              <a:t>Были изучены современные технологии разработки GUI-приложений для ПК</a:t>
+            </a:r>
+            <a:endParaRPr sz="2800"/>
+          </a:p>
+          <a:p>
+            <a:pPr>
+              <a:defRPr/>
+            </a:pPr>
+            <a:r>
+              <a:rPr/>
+              <a:t>Было разработано приложение «Список задач»</a:t>
+            </a:r>
+            <a:endParaRPr/>
+          </a:p>
+          <a:p>
+            <a:pPr>
+              <a:defRPr/>
+            </a:pPr>
+            <a:r>
+              <a:rPr/>
+              <a:t>Приложение было протестировано на ОС Linux и Windows и работает на них одинаково правильно</a:t>
+            </a:r>
+            <a:endParaRPr/>
+          </a:p>
+          <a:p>
+            <a:pPr>
+              <a:defRPr/>
+            </a:pPr>
+            <a:r>
+              <a:rPr/>
+              <a:t>Программа позволяет делать составлять список задач и форматировать их текст с помощью разметки Markdown</a:t>
+            </a:r>
+            <a:endParaRPr/>
           </a:p>
         </p:txBody>
       </p:sp>
@@ -3287,7 +4083,7 @@
       </p:grpSpPr>
       <p:sp>
         <p:nvSpPr>
-          <p:cNvPr id="1249131384" name="Заголовок 1"/>
+          <p:cNvPr id="1339711638" name="Заголовок 1"/>
           <p:cNvSpPr>
             <a:spLocks noGrp="1"/>
           </p:cNvSpPr>
@@ -3295,105 +4091,53 @@
             <p:ph type="title"/>
           </p:nvPr>
         </p:nvSpPr>
-        <p:spPr bwMode="auto"/>
-        <p:txBody>
-          <a:bodyPr/>
-          <a:lstStyle/>
-          <a:p>
-            <a:pPr algn="ctr">
+        <p:spPr bwMode="auto">
+          <a:xfrm flipH="0" flipV="0">
+            <a:off x="1144360" y="986517"/>
+            <a:ext cx="5853139" cy="4940980"/>
+          </a:xfrm>
+        </p:spPr>
+        <p:txBody>
+          <a:bodyPr vertOverflow="overflow" horzOverflow="overflow" vert="horz" wrap="square" lIns="91440" tIns="45720" rIns="91440" bIns="45720" numCol="1" spcCol="0" rtlCol="0" fromWordArt="0" anchor="ctr" anchorCtr="0" forceAA="0" upright="0" compatLnSpc="0">
+            <a:normAutofit/>
+          </a:bodyPr>
+          <a:lstStyle/>
+          <a:p>
+            <a:pPr>
               <a:defRPr/>
             </a:pPr>
             <a:r>
               <a:rPr/>
-              <a:t>План работы</a:t>
-            </a:r>
-            <a:endParaRPr/>
-          </a:p>
-        </p:txBody>
-      </p:sp>
-      <p:sp>
-        <p:nvSpPr>
-          <p:cNvPr id="1968999523" name="Объект 2"/>
-          <p:cNvSpPr>
-            <a:spLocks noGrp="1"/>
-          </p:cNvSpPr>
+              <a:t>Цель проекта и конечный продукт разработки – приложение «Список дел» для персональных компьютеров</a:t>
+            </a:r>
+            <a:endParaRPr/>
+          </a:p>
+        </p:txBody>
+      </p:sp>
+      <p:pic>
+        <p:nvPicPr>
+          <p:cNvPr id="632183446" name=""/>
+          <p:cNvPicPr>
+            <a:picLocks noChangeAspect="1"/>
+          </p:cNvPicPr>
           <p:nvPr>
             <p:ph idx="1"/>
           </p:nvPr>
-        </p:nvSpPr>
-        <p:spPr bwMode="auto"/>
-        <p:txBody>
-          <a:bodyPr/>
-          <a:lstStyle/>
-          <a:p>
-            <a:pPr marL="394022" indent="-394022">
-              <a:buFont typeface="Arial"/>
-              <a:buAutoNum type="arabicPeriod"/>
-              <a:defRPr/>
-            </a:pPr>
-            <a:r>
-              <a:rPr lang="ru-RU" sz="2800" b="0" i="0" u="none" strike="noStrike" cap="none" spc="0">
-                <a:solidFill>
-                  <a:schemeClr val="tx1"/>
-                </a:solidFill>
-                <a:latin typeface="+mn-lt"/>
-                <a:ea typeface="+mn-ea"/>
-                <a:cs typeface="+mn-cs"/>
-              </a:rPr>
-              <a:t>Определить требования к продукту</a:t>
-            </a:r>
-            <a:endParaRPr sz="2800"/>
-          </a:p>
-          <a:p>
-            <a:pPr marL="394023" indent="-394023">
-              <a:buFont typeface="Arial"/>
-              <a:buAutoNum type="arabicPeriod"/>
-              <a:defRPr/>
-            </a:pPr>
-            <a:r>
-              <a:rPr/>
-              <a:t>Изучить и сравнить доступные средства разработки приложений для ПК, </a:t>
-            </a:r>
-            <a:r>
-              <a:rPr/>
-              <a:t>определить инструменты для будущей разработки</a:t>
-            </a:r>
-            <a:endParaRPr/>
-          </a:p>
-          <a:p>
-            <a:pPr marL="394023" indent="-394023">
-              <a:buFont typeface="Arial"/>
-              <a:buAutoNum type="arabicPeriod"/>
-              <a:defRPr/>
-            </a:pPr>
-            <a:r>
-              <a:rPr/>
-              <a:t>Разработать прототип с минимальным набором функций</a:t>
-            </a:r>
-            <a:endParaRPr/>
-          </a:p>
-          <a:p>
-            <a:pPr marL="394023" indent="-394023">
-              <a:buFont typeface="Arial"/>
-              <a:buAutoNum type="arabicPeriod"/>
-              <a:defRPr/>
-            </a:pPr>
-            <a:r>
-              <a:rPr/>
-              <a:t>Добавлять новые функции и исправлять ошибки</a:t>
-            </a:r>
-            <a:endParaRPr/>
-          </a:p>
-          <a:p>
-            <a:pPr marL="394023" indent="-394023">
-              <a:buFont typeface="Arial"/>
-              <a:buAutoNum type="arabicPeriod"/>
-              <a:defRPr/>
-            </a:pPr>
-            <a:endParaRPr/>
-          </a:p>
-        </p:txBody>
-      </p:sp>
+        </p:nvPicPr>
+        <p:blipFill>
+          <a:blip r:embed="rId2"/>
+          <a:stretch/>
+        </p:blipFill>
+        <p:spPr bwMode="auto">
+          <a:xfrm rot="0">
+            <a:off x="7545954" y="1354704"/>
+            <a:ext cx="4351338" cy="4351338"/>
+          </a:xfrm>
+          <a:prstGeom prst="rect">
+            <a:avLst/>
+          </a:prstGeom>
+        </p:spPr>
+      </p:pic>
     </p:spTree>
   </p:cSld>
   <p:clrMapOvr>
@@ -3429,7 +4173,7 @@
       </p:grpSpPr>
       <p:sp>
         <p:nvSpPr>
-          <p:cNvPr id="1339711638" name="Заголовок 1"/>
+          <p:cNvPr id="1249131384" name="Заголовок 1"/>
           <p:cNvSpPr>
             <a:spLocks noGrp="1"/>
           </p:cNvSpPr>
@@ -3437,53 +4181,105 @@
             <p:ph type="title"/>
           </p:nvPr>
         </p:nvSpPr>
-        <p:spPr bwMode="auto">
-          <a:xfrm flipH="0" flipV="0">
-            <a:off x="1144360" y="986517"/>
-            <a:ext cx="5853139" cy="4940980"/>
-          </a:xfrm>
-        </p:spPr>
-        <p:txBody>
-          <a:bodyPr vertOverflow="overflow" horzOverflow="overflow" vert="horz" wrap="square" lIns="91440" tIns="45720" rIns="91440" bIns="45720" numCol="1" spcCol="0" rtlCol="0" fromWordArt="0" anchor="ctr" anchorCtr="0" forceAA="0" upright="0" compatLnSpc="0">
-            <a:normAutofit/>
-          </a:bodyPr>
-          <a:lstStyle/>
-          <a:p>
-            <a:pPr>
+        <p:spPr bwMode="auto"/>
+        <p:txBody>
+          <a:bodyPr/>
+          <a:lstStyle/>
+          <a:p>
+            <a:pPr algn="ctr">
               <a:defRPr/>
             </a:pPr>
             <a:r>
               <a:rPr/>
-              <a:t>Конечный продукт разработки – приложение «Список дел» для персональных компьютеров</a:t>
-            </a:r>
-            <a:endParaRPr/>
-          </a:p>
-        </p:txBody>
-      </p:sp>
-      <p:pic>
-        <p:nvPicPr>
-          <p:cNvPr id="632183446" name=""/>
-          <p:cNvPicPr>
-            <a:picLocks noChangeAspect="1"/>
-          </p:cNvPicPr>
+              <a:t>План работы</a:t>
+            </a:r>
+            <a:endParaRPr/>
+          </a:p>
+        </p:txBody>
+      </p:sp>
+      <p:sp>
+        <p:nvSpPr>
+          <p:cNvPr id="1968999523" name="Объект 2"/>
+          <p:cNvSpPr>
+            <a:spLocks noGrp="1"/>
+          </p:cNvSpPr>
           <p:nvPr>
             <p:ph idx="1"/>
           </p:nvPr>
-        </p:nvPicPr>
-        <p:blipFill>
-          <a:blip r:embed="rId2"/>
-          <a:stretch/>
-        </p:blipFill>
-        <p:spPr bwMode="auto">
-          <a:xfrm rot="0">
-            <a:off x="7545954" y="1354704"/>
-            <a:ext cx="4351338" cy="4351338"/>
-          </a:xfrm>
-          <a:prstGeom prst="rect">
-            <a:avLst/>
-          </a:prstGeom>
-        </p:spPr>
-      </p:pic>
+        </p:nvSpPr>
+        <p:spPr bwMode="auto"/>
+        <p:txBody>
+          <a:bodyPr/>
+          <a:lstStyle/>
+          <a:p>
+            <a:pPr marL="394022" indent="-394022">
+              <a:buFont typeface="Arial"/>
+              <a:buAutoNum type="arabicPeriod"/>
+              <a:defRPr/>
+            </a:pPr>
+            <a:r>
+              <a:rPr lang="ru-RU" sz="2800" b="0" i="0" u="none" strike="noStrike" cap="none" spc="0">
+                <a:solidFill>
+                  <a:schemeClr val="tx1"/>
+                </a:solidFill>
+                <a:latin typeface="+mn-lt"/>
+                <a:ea typeface="+mn-ea"/>
+                <a:cs typeface="+mn-cs"/>
+              </a:rPr>
+              <a:t>Определить требования к продукту</a:t>
+            </a:r>
+            <a:endParaRPr sz="2800"/>
+          </a:p>
+          <a:p>
+            <a:pPr marL="394023" indent="-394023">
+              <a:buFont typeface="Arial"/>
+              <a:buAutoNum type="arabicPeriod"/>
+              <a:defRPr/>
+            </a:pPr>
+            <a:r>
+              <a:rPr/>
+              <a:t>Изучить и сравнить доступные средства разработки приложений для ПК, </a:t>
+            </a:r>
+            <a:r>
+              <a:rPr/>
+              <a:t>определить инструменты для будущей разработки</a:t>
+            </a:r>
+            <a:endParaRPr/>
+          </a:p>
+          <a:p>
+            <a:pPr marL="394023" indent="-394023">
+              <a:buFont typeface="Arial"/>
+              <a:buAutoNum type="arabicPeriod"/>
+              <a:defRPr/>
+            </a:pPr>
+            <a:r>
+              <a:rPr/>
+              <a:t>Разработать прототип с минимальным набором функций</a:t>
+            </a:r>
+            <a:endParaRPr/>
+          </a:p>
+          <a:p>
+            <a:pPr marL="394023" indent="-394023">
+              <a:buFont typeface="Arial"/>
+              <a:buAutoNum type="arabicPeriod"/>
+              <a:defRPr/>
+            </a:pPr>
+            <a:r>
+              <a:rPr/>
+              <a:t>Добавлять новые функции и исправлять ошибки</a:t>
+            </a:r>
+            <a:endParaRPr/>
+          </a:p>
+          <a:p>
+            <a:pPr marL="394023" indent="-394023">
+              <a:buFont typeface="Arial"/>
+              <a:buAutoNum type="arabicPeriod"/>
+              <a:defRPr/>
+            </a:pPr>
+            <a:endParaRPr/>
+          </a:p>
+        </p:txBody>
+      </p:sp>
     </p:spTree>
   </p:cSld>
   <p:clrMapOvr>
@@ -3519,7 +4315,7 @@
       </p:grpSpPr>
       <p:sp>
         <p:nvSpPr>
-          <p:cNvPr id="784866495" name="Заголовок 1"/>
+          <p:cNvPr id="798919510" name="Заголовок 1"/>
           <p:cNvSpPr>
             <a:spLocks noGrp="1"/>
           </p:cNvSpPr>
@@ -3527,7 +4323,12 @@
             <p:ph type="title"/>
           </p:nvPr>
         </p:nvSpPr>
-        <p:spPr bwMode="auto"/>
+        <p:spPr bwMode="auto">
+          <a:xfrm>
+            <a:off x="838198" y="2536824"/>
+            <a:ext cx="10515600" cy="1325562"/>
+          </a:xfrm>
+        </p:spPr>
         <p:txBody>
           <a:bodyPr/>
           <a:lstStyle/>
@@ -3537,83 +4338,7 @@
             </a:pPr>
             <a:r>
               <a:rPr/>
-              <a:t>Технологии, использованные при разработке</a:t>
-            </a:r>
-            <a:endParaRPr/>
-          </a:p>
-        </p:txBody>
-      </p:sp>
-      <p:sp>
-        <p:nvSpPr>
-          <p:cNvPr id="522949621" name="Объект 2"/>
-          <p:cNvSpPr>
-            <a:spLocks noGrp="1"/>
-          </p:cNvSpPr>
-          <p:nvPr>
-            <p:ph idx="1"/>
-          </p:nvPr>
-        </p:nvSpPr>
-        <p:spPr bwMode="auto"/>
-        <p:txBody>
-          <a:bodyPr/>
-          <a:lstStyle/>
-          <a:p>
-            <a:pPr>
-              <a:defRPr/>
-            </a:pPr>
-            <a:r>
-              <a:rPr/>
-              <a:t>Язык программирования C# на платформе .NET Core 7</a:t>
-            </a:r>
-            <a:endParaRPr/>
-          </a:p>
-          <a:p>
-            <a:pPr>
-              <a:defRPr/>
-            </a:pPr>
-            <a:r>
-              <a:rPr/>
-              <a:t>GUI-фреймворк AvaloniaUI</a:t>
-            </a:r>
-            <a:endParaRPr/>
-          </a:p>
-          <a:p>
-            <a:pPr>
-              <a:defRPr/>
-            </a:pPr>
-            <a:r>
-              <a:rPr/>
-              <a:t>Фреймворк для реактивного взаимодействия с потоками событий ReactiveUI</a:t>
-            </a:r>
-            <a:endParaRPr/>
-          </a:p>
-          <a:p>
-            <a:pPr>
-              <a:defRPr/>
-            </a:pPr>
-            <a:r>
-              <a:rPr/>
-              <a:t>Библиотека для реактивного взаимодействия с коллекциями объектов DynamicData</a:t>
-            </a:r>
-            <a:endParaRPr/>
-          </a:p>
-          <a:p>
-            <a:pPr>
-              <a:defRPr/>
-            </a:pPr>
-            <a:r>
-              <a:rPr/>
-              <a:t>Формат хранения данных JSON с библиотекой Newtonsoft.JSON</a:t>
-            </a:r>
-            <a:endParaRPr/>
-          </a:p>
-          <a:p>
-            <a:pPr>
-              <a:defRPr/>
-            </a:pPr>
-            <a:r>
-              <a:rPr/>
-              <a:t>Язык разметки Markdown с библиотекой Markdown.Avalonia</a:t>
+              <a:t>Сравнение технологий разработки приложений</a:t>
             </a:r>
             <a:endParaRPr/>
           </a:p>
@@ -3654,7 +4379,7 @@
       </p:grpSpPr>
       <p:sp>
         <p:nvSpPr>
-          <p:cNvPr id="589506203" name="Заголовок 1"/>
+          <p:cNvPr id="2119996083" name="Заголовок 1"/>
           <p:cNvSpPr>
             <a:spLocks noGrp="1"/>
           </p:cNvSpPr>
@@ -3667,20 +4392,482 @@
           <a:bodyPr/>
           <a:lstStyle/>
           <a:p>
+            <a:pPr>
+              <a:defRPr/>
+            </a:pPr>
+            <a:r>
+              <a:rPr/>
+              <a:t>Electron JS</a:t>
+            </a:r>
+            <a:endParaRPr/>
+          </a:p>
+        </p:txBody>
+      </p:sp>
+      <p:sp>
+        <p:nvSpPr>
+          <p:cNvPr id="344700142" name="Объект 2"/>
+          <p:cNvSpPr>
+            <a:spLocks noGrp="1"/>
+          </p:cNvSpPr>
+          <p:nvPr>
+            <p:ph idx="1"/>
+          </p:nvPr>
+        </p:nvSpPr>
+        <p:spPr bwMode="auto">
+          <a:xfrm flipH="0" flipV="0">
+            <a:off x="623599" y="1889124"/>
+            <a:ext cx="6654799" cy="4351338"/>
+          </a:xfrm>
+        </p:spPr>
+        <p:txBody>
+          <a:bodyPr vertOverflow="overflow" horzOverflow="overflow" vert="horz" wrap="square" lIns="91440" tIns="45720" rIns="91440" bIns="45720" numCol="1" spcCol="0" rtlCol="0" fromWordArt="0" anchor="t" anchorCtr="0" forceAA="0" upright="0" compatLnSpc="0">
+            <a:normAutofit/>
+          </a:bodyPr>
+          <a:lstStyle/>
+          <a:p>
+            <a:pPr marL="0" indent="0">
+              <a:buFont typeface="Arial"/>
+              <a:buNone/>
+              <a:defRPr/>
+            </a:pPr>
+            <a:r>
+              <a:rPr/>
+              <a:t>Позволяет использовать веб-приложение в качестве настольного, однако потребляет много системных ресурсов т.к. используется целый веб-браузер для каждого подобного приложения. На используемом в нем JavaScript легко писать плохой код и допускать ошибки</a:t>
+            </a:r>
+            <a:endParaRPr/>
+          </a:p>
+        </p:txBody>
+      </p:sp>
+      <p:pic>
+        <p:nvPicPr>
+          <p:cNvPr id="623442518" name=""/>
+          <p:cNvPicPr>
+            <a:picLocks noChangeAspect="1"/>
+          </p:cNvPicPr>
+          <p:nvPr/>
+        </p:nvPicPr>
+        <p:blipFill>
+          <a:blip r:embed="rId2"/>
+          <a:stretch/>
+        </p:blipFill>
+        <p:spPr bwMode="auto">
+          <a:xfrm flipH="0" flipV="0">
+            <a:off x="7367299" y="1296699"/>
+            <a:ext cx="4583399" cy="4583399"/>
+          </a:xfrm>
+          <a:prstGeom prst="rect">
+            <a:avLst/>
+          </a:prstGeom>
+        </p:spPr>
+      </p:pic>
+    </p:spTree>
+  </p:cSld>
+  <p:clrMapOvr>
+    <a:masterClrMapping/>
+  </p:clrMapOvr>
+  <mc:AlternateContent xmlns:mc="http://schemas.openxmlformats.org/markup-compatibility/2006">
+    <mc:Choice xmlns:p14="http://schemas.microsoft.com/office/powerpoint/2010/main" Requires="p14">
+      <p:transition p14:dur="2000" advClick="1"/>
+    </mc:Choice>
+    <mc:Fallback>
+      <p:transition advClick="1"/>
+    </mc:Fallback>
+  </mc:AlternateContent>
+</p:sld>
+</file>
+
+<file path=ppt/slides/slide6.xml><?xml version="1.0" encoding="utf-8"?>
+<p:sld xmlns:a="http://schemas.openxmlformats.org/drawingml/2006/main" xmlns:r="http://schemas.openxmlformats.org/officeDocument/2006/relationships" xmlns:p="http://schemas.openxmlformats.org/presentationml/2006/main" xmlns:m="http://schemas.openxmlformats.org/officeDocument/2006/math" xmlns:w="http://schemas.openxmlformats.org/wordprocessingml/2006/main" showMasterPhAnim="0" show="1">
+  <p:cSld name="">
+    <p:spTree>
+      <p:nvGrpSpPr>
+        <p:cNvPr id="1" name=""/>
+        <p:cNvGrpSpPr/>
+        <p:nvPr/>
+      </p:nvGrpSpPr>
+      <p:grpSpPr bwMode="auto">
+        <a:xfrm>
+          <a:off x="0" y="0"/>
+          <a:ext cx="0" cy="0"/>
+          <a:chOff x="0" y="0"/>
+          <a:chExt cx="0" cy="0"/>
+        </a:xfrm>
+      </p:grpSpPr>
+      <p:sp>
+        <p:nvSpPr>
+          <p:cNvPr id="64388265" name="Заголовок 1"/>
+          <p:cNvSpPr>
+            <a:spLocks noGrp="1"/>
+          </p:cNvSpPr>
+          <p:nvPr>
+            <p:ph type="title"/>
+          </p:nvPr>
+        </p:nvSpPr>
+        <p:spPr bwMode="auto"/>
+        <p:txBody>
+          <a:bodyPr/>
+          <a:lstStyle/>
+          <a:p>
+            <a:pPr>
+              <a:defRPr/>
+            </a:pPr>
+            <a:r>
+              <a:rPr/>
+              <a:t>QT</a:t>
+            </a:r>
+            <a:endParaRPr/>
+          </a:p>
+        </p:txBody>
+      </p:sp>
+      <p:sp>
+        <p:nvSpPr>
+          <p:cNvPr id="59809121" name="Объект 2"/>
+          <p:cNvSpPr>
+            <a:spLocks noGrp="1"/>
+          </p:cNvSpPr>
+          <p:nvPr>
+            <p:ph idx="1"/>
+          </p:nvPr>
+        </p:nvSpPr>
+        <p:spPr bwMode="auto">
+          <a:xfrm flipH="0" flipV="0">
+            <a:off x="838198" y="1825624"/>
+            <a:ext cx="6046499" cy="4351338"/>
+          </a:xfrm>
+        </p:spPr>
+        <p:txBody>
+          <a:bodyPr vertOverflow="overflow" horzOverflow="overflow" vert="horz" wrap="square" lIns="91440" tIns="45720" rIns="91440" bIns="45720" numCol="1" spcCol="0" rtlCol="0" fromWordArt="0" anchor="t" anchorCtr="0" forceAA="0" upright="0" compatLnSpc="0">
+            <a:normAutofit/>
+          </a:bodyPr>
+          <a:lstStyle/>
+          <a:p>
+            <a:pPr marL="0" indent="0">
+              <a:buFont typeface="Arial"/>
+              <a:buNone/>
+              <a:defRPr/>
+            </a:pPr>
+            <a:r>
+              <a:rPr/>
+              <a:t>Фреймворк для разработки нативных кросс-платформенных приложений. В качестве основного ЯП выступает C++, а значит придется вручную управлять памятью, что очень важно для GUI-прилежения т.к. оно часто может долго работать и не должно производить при этом утечки памяти</a:t>
+            </a:r>
+            <a:endParaRPr/>
+          </a:p>
+        </p:txBody>
+      </p:sp>
+      <p:pic>
+        <p:nvPicPr>
+          <p:cNvPr id="401476473" name=""/>
+          <p:cNvPicPr>
+            <a:picLocks noChangeAspect="1"/>
+          </p:cNvPicPr>
+          <p:nvPr/>
+        </p:nvPicPr>
+        <p:blipFill>
+          <a:blip r:embed="rId2"/>
+          <a:stretch/>
+        </p:blipFill>
+        <p:spPr bwMode="auto">
+          <a:xfrm flipH="0" flipV="0">
+            <a:off x="7175499" y="1825624"/>
+            <a:ext cx="4498339" cy="3213099"/>
+          </a:xfrm>
+          <a:prstGeom prst="rect">
+            <a:avLst/>
+          </a:prstGeom>
+        </p:spPr>
+      </p:pic>
+    </p:spTree>
+  </p:cSld>
+  <p:clrMapOvr>
+    <a:masterClrMapping/>
+  </p:clrMapOvr>
+  <mc:AlternateContent xmlns:mc="http://schemas.openxmlformats.org/markup-compatibility/2006">
+    <mc:Choice xmlns:p14="http://schemas.microsoft.com/office/powerpoint/2010/main" Requires="p14">
+      <p:transition p14:dur="2000" advClick="1"/>
+    </mc:Choice>
+    <mc:Fallback>
+      <p:transition advClick="1"/>
+    </mc:Fallback>
+  </mc:AlternateContent>
+</p:sld>
+</file>
+
+<file path=ppt/slides/slide7.xml><?xml version="1.0" encoding="utf-8"?>
+<p:sld xmlns:a="http://schemas.openxmlformats.org/drawingml/2006/main" xmlns:r="http://schemas.openxmlformats.org/officeDocument/2006/relationships" xmlns:p="http://schemas.openxmlformats.org/presentationml/2006/main" xmlns:m="http://schemas.openxmlformats.org/officeDocument/2006/math" xmlns:w="http://schemas.openxmlformats.org/wordprocessingml/2006/main" showMasterPhAnim="0" show="1">
+  <p:cSld name="">
+    <p:spTree>
+      <p:nvGrpSpPr>
+        <p:cNvPr id="1" name=""/>
+        <p:cNvGrpSpPr/>
+        <p:nvPr/>
+      </p:nvGrpSpPr>
+      <p:grpSpPr bwMode="auto">
+        <a:xfrm>
+          <a:off x="0" y="0"/>
+          <a:ext cx="0" cy="0"/>
+          <a:chOff x="0" y="0"/>
+          <a:chExt cx="0" cy="0"/>
+        </a:xfrm>
+      </p:grpSpPr>
+      <p:sp>
+        <p:nvSpPr>
+          <p:cNvPr id="134521574" name="Заголовок 1"/>
+          <p:cNvSpPr>
+            <a:spLocks noGrp="1"/>
+          </p:cNvSpPr>
+          <p:nvPr>
+            <p:ph type="title"/>
+          </p:nvPr>
+        </p:nvSpPr>
+        <p:spPr bwMode="auto"/>
+        <p:txBody>
+          <a:bodyPr/>
+          <a:lstStyle/>
+          <a:p>
+            <a:pPr>
+              <a:defRPr/>
+            </a:pPr>
+            <a:r>
+              <a:rPr/>
+              <a:t>GTK</a:t>
+            </a:r>
+            <a:endParaRPr/>
+          </a:p>
+        </p:txBody>
+      </p:sp>
+      <p:sp>
+        <p:nvSpPr>
+          <p:cNvPr id="662196583" name="Объект 2"/>
+          <p:cNvSpPr>
+            <a:spLocks noGrp="1"/>
+          </p:cNvSpPr>
+          <p:nvPr>
+            <p:ph idx="1"/>
+          </p:nvPr>
+        </p:nvSpPr>
+        <p:spPr bwMode="auto">
+          <a:xfrm flipH="0" flipV="0">
+            <a:off x="838198" y="1825624"/>
+            <a:ext cx="7087899" cy="4351338"/>
+          </a:xfrm>
+        </p:spPr>
+        <p:txBody>
+          <a:bodyPr/>
+          <a:lstStyle/>
+          <a:p>
+            <a:pPr marL="0" indent="0">
+              <a:buFont typeface="Arial"/>
+              <a:buNone/>
+              <a:defRPr/>
+            </a:pPr>
+            <a:r>
+              <a:rPr/>
+              <a:t>Подобный QT фреймворк, который тоже использует C++. В качестве его целевой платформы выступает Linux, как и в случае с QT, поэтому распространять приложение под Windows сложнее.</a:t>
+            </a:r>
+            <a:endParaRPr/>
+          </a:p>
+        </p:txBody>
+      </p:sp>
+      <p:pic>
+        <p:nvPicPr>
+          <p:cNvPr id="2055902867" name=""/>
+          <p:cNvPicPr>
+            <a:picLocks noChangeAspect="1"/>
+          </p:cNvPicPr>
+          <p:nvPr/>
+        </p:nvPicPr>
+        <p:blipFill>
+          <a:blip r:embed="rId2"/>
+          <a:stretch/>
+        </p:blipFill>
+        <p:spPr bwMode="auto">
+          <a:xfrm flipH="0" flipV="0">
+            <a:off x="7861299" y="1422399"/>
+            <a:ext cx="4073551" cy="4402931"/>
+          </a:xfrm>
+          <a:prstGeom prst="rect">
+            <a:avLst/>
+          </a:prstGeom>
+        </p:spPr>
+      </p:pic>
+    </p:spTree>
+  </p:cSld>
+  <p:clrMapOvr>
+    <a:masterClrMapping/>
+  </p:clrMapOvr>
+  <mc:AlternateContent xmlns:mc="http://schemas.openxmlformats.org/markup-compatibility/2006">
+    <mc:Choice xmlns:p14="http://schemas.microsoft.com/office/powerpoint/2010/main" Requires="p14">
+      <p:transition p14:dur="2000" advClick="1"/>
+    </mc:Choice>
+    <mc:Fallback>
+      <p:transition advClick="1"/>
+    </mc:Fallback>
+  </mc:AlternateContent>
+</p:sld>
+</file>
+
+<file path=ppt/slides/slide8.xml><?xml version="1.0" encoding="utf-8"?>
+<p:sld xmlns:a="http://schemas.openxmlformats.org/drawingml/2006/main" xmlns:r="http://schemas.openxmlformats.org/officeDocument/2006/relationships" xmlns:p="http://schemas.openxmlformats.org/presentationml/2006/main" xmlns:m="http://schemas.openxmlformats.org/officeDocument/2006/math" xmlns:w="http://schemas.openxmlformats.org/wordprocessingml/2006/main" showMasterPhAnim="0" show="1">
+  <p:cSld name="">
+    <p:spTree>
+      <p:nvGrpSpPr>
+        <p:cNvPr id="1" name=""/>
+        <p:cNvGrpSpPr/>
+        <p:nvPr/>
+      </p:nvGrpSpPr>
+      <p:grpSpPr bwMode="auto">
+        <a:xfrm>
+          <a:off x="0" y="0"/>
+          <a:ext cx="0" cy="0"/>
+          <a:chOff x="0" y="0"/>
+          <a:chExt cx="0" cy="0"/>
+        </a:xfrm>
+      </p:grpSpPr>
+      <p:sp>
+        <p:nvSpPr>
+          <p:cNvPr id="1851007664" name="Заголовок 1"/>
+          <p:cNvSpPr>
+            <a:spLocks noGrp="1"/>
+          </p:cNvSpPr>
+          <p:nvPr>
+            <p:ph type="title"/>
+          </p:nvPr>
+        </p:nvSpPr>
+        <p:spPr bwMode="auto"/>
+        <p:txBody>
+          <a:bodyPr/>
+          <a:lstStyle/>
+          <a:p>
+            <a:pPr>
+              <a:defRPr/>
+            </a:pPr>
+            <a:r>
+              <a:rPr/>
+              <a:t>AvaloniaUI</a:t>
+            </a:r>
+            <a:endParaRPr/>
+          </a:p>
+        </p:txBody>
+      </p:sp>
+      <p:sp>
+        <p:nvSpPr>
+          <p:cNvPr id="857489992" name="Объект 2"/>
+          <p:cNvSpPr>
+            <a:spLocks noGrp="1"/>
+          </p:cNvSpPr>
+          <p:nvPr>
+            <p:ph idx="1"/>
+          </p:nvPr>
+        </p:nvSpPr>
+        <p:spPr bwMode="auto">
+          <a:xfrm flipH="0" flipV="0">
+            <a:off x="838198" y="1825624"/>
+            <a:ext cx="7202199" cy="4351338"/>
+          </a:xfrm>
+        </p:spPr>
+        <p:txBody>
+          <a:bodyPr vertOverflow="overflow" horzOverflow="overflow" vert="horz" wrap="square" lIns="91440" tIns="45720" rIns="91440" bIns="45720" numCol="1" spcCol="0" rtlCol="0" fromWordArt="0" anchor="t" anchorCtr="0" forceAA="0" upright="0" compatLnSpc="0">
+            <a:normAutofit fontScale="95000" lnSpcReduction="1000"/>
+          </a:bodyPr>
+          <a:lstStyle/>
+          <a:p>
+            <a:pPr marL="0" indent="0">
+              <a:buFont typeface="Arial"/>
+              <a:buNone/>
+              <a:defRPr/>
+            </a:pPr>
+            <a:r>
+              <a:rPr/>
+              <a:t>Кроссплатформенный фреймворк на платформе .NET с языком C#, который имеет сборщик мусора для автоматической очистки памяти и активно развивается. Строгая статическая типизация C# уберегает разработчика от многих ошибок. Для разметки используется язык XAML, похожий по синтаксису на всемирно используемый в веб-разработке HTML. Этот фреймворк и был выбран для разработки нашего приложения.</a:t>
+            </a:r>
+            <a:endParaRPr/>
+          </a:p>
+        </p:txBody>
+      </p:sp>
+      <p:pic>
+        <p:nvPicPr>
+          <p:cNvPr id="2113530479" name=""/>
+          <p:cNvPicPr>
+            <a:picLocks noChangeAspect="1"/>
+          </p:cNvPicPr>
+          <p:nvPr/>
+        </p:nvPicPr>
+        <p:blipFill>
+          <a:blip r:embed="rId2"/>
+          <a:stretch/>
+        </p:blipFill>
+        <p:spPr bwMode="auto">
+          <a:xfrm flipH="0" flipV="0">
+            <a:off x="7583199" y="1344324"/>
+            <a:ext cx="4675473" cy="4675473"/>
+          </a:xfrm>
+          <a:prstGeom prst="rect">
+            <a:avLst/>
+          </a:prstGeom>
+        </p:spPr>
+      </p:pic>
+    </p:spTree>
+  </p:cSld>
+  <p:clrMapOvr>
+    <a:masterClrMapping/>
+  </p:clrMapOvr>
+  <mc:AlternateContent xmlns:mc="http://schemas.openxmlformats.org/markup-compatibility/2006">
+    <mc:Choice xmlns:p14="http://schemas.microsoft.com/office/powerpoint/2010/main" Requires="p14">
+      <p:transition p14:dur="2000" advClick="1"/>
+    </mc:Choice>
+    <mc:Fallback>
+      <p:transition advClick="1"/>
+    </mc:Fallback>
+  </mc:AlternateContent>
+</p:sld>
+</file>
+
+<file path=ppt/slides/slide9.xml><?xml version="1.0" encoding="utf-8"?>
+<p:sld xmlns:a="http://schemas.openxmlformats.org/drawingml/2006/main" xmlns:r="http://schemas.openxmlformats.org/officeDocument/2006/relationships" xmlns:p="http://schemas.openxmlformats.org/presentationml/2006/main" xmlns:m="http://schemas.openxmlformats.org/officeDocument/2006/math" xmlns:w="http://schemas.openxmlformats.org/wordprocessingml/2006/main" showMasterPhAnim="0" show="1">
+  <p:cSld name="">
+    <p:spTree>
+      <p:nvGrpSpPr>
+        <p:cNvPr id="1" name=""/>
+        <p:cNvGrpSpPr/>
+        <p:nvPr/>
+      </p:nvGrpSpPr>
+      <p:grpSpPr bwMode="auto">
+        <a:xfrm>
+          <a:off x="0" y="0"/>
+          <a:ext cx="0" cy="0"/>
+          <a:chOff x="0" y="0"/>
+          <a:chExt cx="0" cy="0"/>
+        </a:xfrm>
+      </p:grpSpPr>
+      <p:sp>
+        <p:nvSpPr>
+          <p:cNvPr id="784866495" name="Заголовок 1"/>
+          <p:cNvSpPr>
+            <a:spLocks noGrp="1"/>
+          </p:cNvSpPr>
+          <p:nvPr>
+            <p:ph type="title"/>
+          </p:nvPr>
+        </p:nvSpPr>
+        <p:spPr bwMode="auto"/>
+        <p:txBody>
+          <a:bodyPr/>
+          <a:lstStyle/>
+          <a:p>
             <a:pPr algn="ctr">
               <a:defRPr/>
             </a:pPr>
             <a:r>
               <a:rPr/>
-              <a:t>Инструментарий </a:t>
-            </a:r>
-            <a:endParaRPr/>
-          </a:p>
-        </p:txBody>
-      </p:sp>
-      <p:sp>
-        <p:nvSpPr>
-          <p:cNvPr id="1045067254" name="Объект 2"/>
+              <a:t>Технологии, используемые при разработке</a:t>
+            </a:r>
+            <a:endParaRPr/>
+          </a:p>
+        </p:txBody>
+      </p:sp>
+      <p:sp>
+        <p:nvSpPr>
+          <p:cNvPr id="522949621" name="Объект 2"/>
           <p:cNvSpPr>
             <a:spLocks noGrp="1"/>
           </p:cNvSpPr>
@@ -3690,7 +4877,9 @@
         </p:nvSpPr>
         <p:spPr bwMode="auto"/>
         <p:txBody>
-          <a:bodyPr/>
+          <a:bodyPr vertOverflow="overflow" horzOverflow="overflow" vert="horz" wrap="square" lIns="91440" tIns="45720" rIns="91440" bIns="45720" numCol="1" spcCol="0" rtlCol="0" fromWordArt="0" anchor="t" anchorCtr="0" forceAA="0" upright="0" compatLnSpc="0">
+            <a:normAutofit fontScale="95000" lnSpcReduction="1000"/>
+          </a:bodyPr>
           <a:lstStyle/>
           <a:p>
             <a:pPr>
@@ -3698,7 +4887,7 @@
             </a:pPr>
             <a:r>
               <a:rPr/>
-              <a:t>Интегрированная среда разработки Visual Studio</a:t>
+              <a:t>Язык программирования C# на платформе .NET Core 7</a:t>
             </a:r>
             <a:endParaRPr/>
           </a:p>
@@ -3708,7 +4897,7 @@
             </a:pPr>
             <a:r>
               <a:rPr/>
-              <a:t>Компьютер на Microsoft Windows 10</a:t>
+              <a:t>GUI-фреймворк AvaloniaUI</a:t>
             </a:r>
             <a:endParaRPr/>
           </a:p>
@@ -3718,7 +4907,7 @@
             </a:pPr>
             <a:r>
               <a:rPr/>
-              <a:t>Виртуальная машина на Fedora Linux 37</a:t>
+              <a:t>Фреймворк для взаимодействия с потоками событий ReactiveUI</a:t>
             </a:r>
             <a:endParaRPr/>
           </a:p>
@@ -3728,14 +4917,28 @@
             </a:pPr>
             <a:r>
               <a:rPr/>
-              <a:t>ПО для форматирования исходного кода XAMLStyler и Csharpier</a:t>
-            </a:r>
-            <a:endParaRPr/>
-          </a:p>
-          <a:p>
-            <a:pPr>
-              <a:defRPr/>
-            </a:pPr>
+              <a:t>Библиотека для реактивного взаимодействия с коллекциями объектов DynamicData</a:t>
+            </a:r>
+            <a:endParaRPr/>
+          </a:p>
+          <a:p>
+            <a:pPr>
+              <a:defRPr/>
+            </a:pPr>
+            <a:r>
+              <a:rPr/>
+              <a:t>Формат хранения данных JSON с библиотекой Newtonsoft.JSON</a:t>
+            </a:r>
+            <a:endParaRPr/>
+          </a:p>
+          <a:p>
+            <a:pPr>
+              <a:defRPr/>
+            </a:pPr>
+            <a:r>
+              <a:rPr/>
+              <a:t>Библиотека Markdown.Avalonia для отображения разметки Markdown</a:t>
+            </a:r>
             <a:endParaRPr/>
           </a:p>
         </p:txBody>
